--- a/3.2 Third Year Second semester/ICT-3209 Simulation Modeling/Slide/Lec-7.pptx
+++ b/3.2 Third Year Second semester/ICT-3209 Simulation Modeling/Slide/Lec-7.pptx
@@ -224,7 +224,7 @@
           <a:p>
             <a:fld id="{4676AAC5-312D-4A1D-A004-6F1AB17A45DD}" type="datetimeFigureOut">
               <a:rPr lang="en-US" smtClean="0"/>
-              <a:t>2/3/2019</a:t>
+              <a:t>16-Feb-23</a:t>
             </a:fld>
             <a:endParaRPr lang="en-US"/>
           </a:p>
@@ -623,7 +623,7 @@
           <a:p>
             <a:fld id="{0AC47279-899A-4091-8662-A71D650D18C5}" type="datetimeFigureOut">
               <a:rPr lang="en-US" smtClean="0"/>
-              <a:t>2/3/2019</a:t>
+              <a:t>16-Feb-23</a:t>
             </a:fld>
             <a:endParaRPr lang="en-US"/>
           </a:p>
@@ -793,7 +793,7 @@
           <a:p>
             <a:fld id="{0AC47279-899A-4091-8662-A71D650D18C5}" type="datetimeFigureOut">
               <a:rPr lang="en-US" smtClean="0"/>
-              <a:t>2/3/2019</a:t>
+              <a:t>16-Feb-23</a:t>
             </a:fld>
             <a:endParaRPr lang="en-US"/>
           </a:p>
@@ -973,7 +973,7 @@
           <a:p>
             <a:fld id="{0AC47279-899A-4091-8662-A71D650D18C5}" type="datetimeFigureOut">
               <a:rPr lang="en-US" smtClean="0"/>
-              <a:t>2/3/2019</a:t>
+              <a:t>16-Feb-23</a:t>
             </a:fld>
             <a:endParaRPr lang="en-US"/>
           </a:p>
@@ -1143,7 +1143,7 @@
           <a:p>
             <a:fld id="{0AC47279-899A-4091-8662-A71D650D18C5}" type="datetimeFigureOut">
               <a:rPr lang="en-US" smtClean="0"/>
-              <a:t>2/3/2019</a:t>
+              <a:t>16-Feb-23</a:t>
             </a:fld>
             <a:endParaRPr lang="en-US"/>
           </a:p>
@@ -1389,7 +1389,7 @@
           <a:p>
             <a:fld id="{0AC47279-899A-4091-8662-A71D650D18C5}" type="datetimeFigureOut">
               <a:rPr lang="en-US" smtClean="0"/>
-              <a:t>2/3/2019</a:t>
+              <a:t>16-Feb-23</a:t>
             </a:fld>
             <a:endParaRPr lang="en-US"/>
           </a:p>
@@ -1621,7 +1621,7 @@
           <a:p>
             <a:fld id="{0AC47279-899A-4091-8662-A71D650D18C5}" type="datetimeFigureOut">
               <a:rPr lang="en-US" smtClean="0"/>
-              <a:t>2/3/2019</a:t>
+              <a:t>16-Feb-23</a:t>
             </a:fld>
             <a:endParaRPr lang="en-US"/>
           </a:p>
@@ -1988,7 +1988,7 @@
           <a:p>
             <a:fld id="{0AC47279-899A-4091-8662-A71D650D18C5}" type="datetimeFigureOut">
               <a:rPr lang="en-US" smtClean="0"/>
-              <a:t>2/3/2019</a:t>
+              <a:t>16-Feb-23</a:t>
             </a:fld>
             <a:endParaRPr lang="en-US"/>
           </a:p>
@@ -2106,7 +2106,7 @@
           <a:p>
             <a:fld id="{0AC47279-899A-4091-8662-A71D650D18C5}" type="datetimeFigureOut">
               <a:rPr lang="en-US" smtClean="0"/>
-              <a:t>2/3/2019</a:t>
+              <a:t>16-Feb-23</a:t>
             </a:fld>
             <a:endParaRPr lang="en-US"/>
           </a:p>
@@ -2201,7 +2201,7 @@
           <a:p>
             <a:fld id="{0AC47279-899A-4091-8662-A71D650D18C5}" type="datetimeFigureOut">
               <a:rPr lang="en-US" smtClean="0"/>
-              <a:t>2/3/2019</a:t>
+              <a:t>16-Feb-23</a:t>
             </a:fld>
             <a:endParaRPr lang="en-US"/>
           </a:p>
@@ -2478,7 +2478,7 @@
           <a:p>
             <a:fld id="{0AC47279-899A-4091-8662-A71D650D18C5}" type="datetimeFigureOut">
               <a:rPr lang="en-US" smtClean="0"/>
-              <a:t>2/3/2019</a:t>
+              <a:t>16-Feb-23</a:t>
             </a:fld>
             <a:endParaRPr lang="en-US"/>
           </a:p>
@@ -2731,7 +2731,7 @@
           <a:p>
             <a:fld id="{0AC47279-899A-4091-8662-A71D650D18C5}" type="datetimeFigureOut">
               <a:rPr lang="en-US" smtClean="0"/>
-              <a:t>2/3/2019</a:t>
+              <a:t>16-Feb-23</a:t>
             </a:fld>
             <a:endParaRPr lang="en-US"/>
           </a:p>
@@ -2950,7 +2950,7 @@
           <a:p>
             <a:fld id="{0AC47279-899A-4091-8662-A71D650D18C5}" type="datetimeFigureOut">
               <a:rPr lang="en-US" smtClean="0"/>
-              <a:t>2/3/2019</a:t>
+              <a:t>16-Feb-23</a:t>
             </a:fld>
             <a:endParaRPr lang="en-US"/>
           </a:p>
@@ -3397,14 +3397,14 @@
               </a:lnSpc>
             </a:pPr>
             <a:r>
-              <a:rPr lang="en-US" sz="4000" spc="-5" dirty="0" smtClean="0">
+              <a:rPr lang="en-US" sz="4000" spc="-5" smtClean="0">
                 <a:solidFill>
                   <a:schemeClr val="tx1"/>
                 </a:solidFill>
                 <a:latin typeface="Garamond"/>
                 <a:cs typeface="Garamond"/>
               </a:rPr>
-              <a:t>Lecture-6</a:t>
+              <a:t>Lecture-7</a:t>
             </a:r>
             <a:endParaRPr lang="en-US" sz="4000" dirty="0">
               <a:solidFill>
@@ -5462,14 +5462,7 @@
                 <a:latin typeface="Verdana"/>
                 <a:cs typeface="Verdana"/>
               </a:rPr>
-              <a:t>general, statistical judgements</a:t>
-            </a:r>
-            <a:r>
-              <a:rPr sz="2400" spc="-9" dirty="0">
-                <a:latin typeface="Verdana"/>
-                <a:cs typeface="Verdana"/>
-              </a:rPr>
-              <a:t> </a:t>
+              <a:t>general, statistical judgements </a:t>
             </a:r>
             <a:r>
               <a:rPr sz="2400" spc="-4" dirty="0">
@@ -6743,14 +6736,7 @@
                 <a:latin typeface="Verdana"/>
                 <a:cs typeface="Verdana"/>
               </a:rPr>
-              <a:t>Let it’s mean and S.D. </a:t>
-            </a:r>
-            <a:r>
-              <a:rPr sz="2400" spc="-4" dirty="0">
-                <a:latin typeface="Verdana"/>
-                <a:cs typeface="Verdana"/>
-              </a:rPr>
-              <a:t>be μ and σ</a:t>
+              <a:t>Let it’s mean and S.D. be μ and σ</a:t>
             </a:r>
             <a:r>
               <a:rPr sz="2400" spc="-13" dirty="0">
@@ -7391,14 +7377,7 @@
                 <a:latin typeface="Verdana"/>
                 <a:cs typeface="Verdana"/>
               </a:rPr>
-              <a:t>original population. </a:t>
-            </a:r>
-            <a:r>
-              <a:rPr sz="2400" spc="-9" dirty="0">
-                <a:latin typeface="Verdana"/>
-                <a:cs typeface="Verdana"/>
-              </a:rPr>
-              <a:t>The  sampling </a:t>
+              <a:t>original population. The  sampling </a:t>
             </a:r>
             <a:r>
               <a:rPr sz="2400" spc="-4" dirty="0">
@@ -8485,14 +8464,7 @@
                 <a:latin typeface="Verdana"/>
                 <a:cs typeface="Verdana"/>
               </a:rPr>
-              <a:t>E.g. </a:t>
-            </a:r>
-            <a:r>
-              <a:rPr sz="2200" spc="-4" dirty="0">
-                <a:latin typeface="Verdana"/>
-                <a:cs typeface="Verdana"/>
-              </a:rPr>
-              <a:t>For a </a:t>
+              <a:t>E.g. For a </a:t>
             </a:r>
             <a:r>
               <a:rPr sz="2200" spc="-9" dirty="0">
@@ -10356,14 +10328,7 @@
                 <a:latin typeface="Verdana"/>
                 <a:cs typeface="Verdana"/>
               </a:rPr>
-              <a:t>X with mean μ and S.D. </a:t>
-            </a:r>
-            <a:r>
-              <a:rPr sz="2000" spc="-4" dirty="0">
-                <a:latin typeface="Verdana"/>
-                <a:cs typeface="Verdana"/>
-              </a:rPr>
-              <a:t>σ, </a:t>
+              <a:t>X with mean μ and S.D. σ, </a:t>
             </a:r>
             <a:r>
               <a:rPr sz="2000" spc="-9" dirty="0">
@@ -12355,14 +12320,7 @@
                 <a:latin typeface="Verdana"/>
                 <a:cs typeface="Verdana"/>
               </a:rPr>
-              <a:t>level = 0.95. </a:t>
-            </a:r>
-            <a:r>
-              <a:rPr sz="2400" spc="-4" dirty="0">
-                <a:latin typeface="Verdana"/>
-                <a:cs typeface="Verdana"/>
-              </a:rPr>
-              <a:t>Since our </a:t>
+              <a:t>level = 0.95. Since our </a:t>
             </a:r>
             <a:r>
               <a:rPr sz="2400" spc="-9" dirty="0">
@@ -12950,14 +12908,7 @@
                 <a:latin typeface="Verdana"/>
                 <a:cs typeface="Verdana"/>
               </a:rPr>
-              <a:t>x</a:t>
-            </a:r>
-            <a:r>
-              <a:rPr sz="2000" spc="-6" baseline="-20833" dirty="0">
-                <a:latin typeface="Verdana"/>
-                <a:cs typeface="Verdana"/>
-              </a:rPr>
-              <a:t> </a:t>
+              <a:t>x </a:t>
             </a:r>
             <a:r>
               <a:rPr sz="2000" dirty="0">
@@ -13033,14 +12984,7 @@
                 <a:latin typeface="Verdana"/>
                 <a:cs typeface="Verdana"/>
               </a:rPr>
-              <a:t>x</a:t>
-            </a:r>
-            <a:r>
-              <a:rPr sz="2000" spc="-6" baseline="-20833" dirty="0">
-                <a:latin typeface="Verdana"/>
-                <a:cs typeface="Verdana"/>
-              </a:rPr>
-              <a:t> </a:t>
+              <a:t>x </a:t>
             </a:r>
             <a:r>
               <a:rPr sz="2000" dirty="0">
@@ -14184,14 +14128,7 @@
                 <a:latin typeface="Verdana"/>
                 <a:cs typeface="Verdana"/>
               </a:rPr>
-              <a:t>E.g. </a:t>
-            </a:r>
-            <a:r>
-              <a:rPr sz="2000" spc="-4" dirty="0">
-                <a:latin typeface="Verdana"/>
-                <a:cs typeface="Verdana"/>
-              </a:rPr>
-              <a:t>H</a:t>
+              <a:t>E.g. H</a:t>
             </a:r>
             <a:r>
               <a:rPr sz="2000" spc="-6" baseline="-20833" dirty="0">
@@ -14627,14 +14564,7 @@
                 <a:latin typeface="Verdana"/>
                 <a:cs typeface="Verdana"/>
               </a:rPr>
-              <a:t>left-tailed  test. E.g. </a:t>
-            </a:r>
-            <a:r>
-              <a:rPr sz="2000" spc="-4" dirty="0">
-                <a:latin typeface="Verdana"/>
-                <a:cs typeface="Verdana"/>
-              </a:rPr>
-              <a:t>H</a:t>
+              <a:t>left-tailed  test. E.g. H</a:t>
             </a:r>
             <a:r>
               <a:rPr sz="2000" spc="-6" baseline="-20833" dirty="0">
@@ -15621,14 +15551,7 @@
                 <a:latin typeface="Verdana"/>
                 <a:cs typeface="Verdana"/>
               </a:rPr>
-              <a:t>Var</a:t>
-            </a:r>
-            <a:r>
-              <a:rPr sz="2400" dirty="0">
-                <a:latin typeface="Verdana"/>
-                <a:cs typeface="Verdana"/>
-              </a:rPr>
-              <a:t>(X)</a:t>
+              <a:t>Var(X)</a:t>
             </a:r>
           </a:p>
           <a:p>
@@ -16695,14 +16618,7 @@
                 <a:latin typeface="Verdana"/>
                 <a:cs typeface="Verdana"/>
               </a:rPr>
-              <a:t>i.e. </a:t>
-            </a:r>
-            <a:r>
-              <a:rPr sz="2400" spc="-4" dirty="0">
-                <a:latin typeface="Verdana"/>
-                <a:cs typeface="Verdana"/>
-              </a:rPr>
-              <a:t>the </a:t>
+              <a:t>i.e. the </a:t>
             </a:r>
             <a:r>
               <a:rPr sz="2400" dirty="0">
@@ -17299,14 +17215,7 @@
                 <a:latin typeface="Verdana"/>
                 <a:cs typeface="Verdana"/>
               </a:rPr>
-              <a:t>studying Queueing</a:t>
-            </a:r>
-            <a:r>
-              <a:rPr sz="2400" spc="-9" dirty="0">
-                <a:latin typeface="Verdana"/>
-                <a:cs typeface="Verdana"/>
-              </a:rPr>
-              <a:t> Theory </a:t>
+              <a:t>studying Queueing Theory </a:t>
             </a:r>
             <a:r>
               <a:rPr sz="2400" spc="-4" dirty="0">
@@ -18140,14 +18049,7 @@
                 <a:latin typeface="Verdana"/>
                 <a:cs typeface="Verdana"/>
               </a:rPr>
-              <a:t>estimating line: Y = aX</a:t>
-            </a:r>
-            <a:r>
-              <a:rPr sz="2400" spc="-4" dirty="0">
-                <a:latin typeface="Verdana"/>
-                <a:cs typeface="Verdana"/>
-              </a:rPr>
-              <a:t> +</a:t>
+              <a:t>estimating line: Y = aX +</a:t>
             </a:r>
             <a:r>
               <a:rPr sz="2400" spc="40" dirty="0">
@@ -18419,14 +18321,7 @@
                 <a:latin typeface="Verdana"/>
                 <a:cs typeface="Verdana"/>
               </a:rPr>
-              <a:t>E.g. </a:t>
-            </a:r>
-            <a:r>
-              <a:rPr sz="2400" spc="-4" dirty="0">
-                <a:latin typeface="Verdana"/>
-                <a:cs typeface="Verdana"/>
-              </a:rPr>
-              <a:t>we want to see if the </a:t>
+              <a:t>E.g. we want to see if the </a:t>
             </a:r>
             <a:r>
               <a:rPr sz="2400" spc="-9" dirty="0">
@@ -18848,10 +18743,6 @@
               </a:rPr>
               <a:t>i</a:t>
             </a:r>
-            <a:endParaRPr sz="2000" dirty="0">
-              <a:latin typeface="Verdana"/>
-              <a:cs typeface="Verdana"/>
-            </a:endParaRPr>
           </a:p>
         </p:txBody>
       </p:sp>
